--- a/Presentation/application_design.pptx
+++ b/Presentation/application_design.pptx
@@ -9198,11 +9198,7 @@
           <a:p>
             <a:r>
               <a:rPr lang="en-US" b="1" dirty="0" smtClean="0"/>
-              <a:t>A</a:t>
-            </a:r>
-            <a:r>
-              <a:rPr lang="en-US" b="1" dirty="0" smtClean="0"/>
-              <a:t>dmin</a:t>
+              <a:t>Admin</a:t>
             </a:r>
             <a:endParaRPr lang="en-US" b="1" dirty="0"/>
           </a:p>
@@ -10041,7 +10037,11 @@
                       </a:r>
                       <a:r>
                         <a:rPr lang="en-US" sz="1200" dirty="0" smtClean="0"/>
-                        <a:t>(long id)</a:t>
+                        <a:t>(long  </a:t>
+                      </a:r>
+                      <a:r>
+                        <a:rPr lang="en-US" sz="1200" dirty="0" smtClean="0"/>
+                        <a:t>id)</a:t>
                       </a:r>
                       <a:endParaRPr lang="en-US" sz="1200" dirty="0"/>
                     </a:p>
@@ -10242,7 +10242,7 @@
                       </a:r>
                       <a:r>
                         <a:rPr lang="en-US" sz="1200" dirty="0" smtClean="0"/>
-                        <a:t>(long </a:t>
+                        <a:t>(long  </a:t>
                       </a:r>
                       <a:r>
                         <a:rPr lang="en-US" sz="1200" dirty="0" err="1" smtClean="0"/>
@@ -10360,12 +10360,20 @@
                         <a:t>(long </a:t>
                       </a:r>
                       <a:r>
+                        <a:rPr lang="en-US" sz="1200" dirty="0" smtClean="0"/>
+                        <a:t> </a:t>
+                      </a:r>
+                      <a:r>
                         <a:rPr lang="en-US" sz="1200" dirty="0" err="1" smtClean="0"/>
                         <a:t>id,Customer</a:t>
                       </a:r>
                       <a:r>
                         <a:rPr lang="en-US" sz="1200" dirty="0" smtClean="0"/>
-                        <a:t> customer)</a:t>
+                        <a:t> </a:t>
+                      </a:r>
+                      <a:r>
+                        <a:rPr lang="en-US" sz="1200" dirty="0" smtClean="0"/>
+                        <a:t>customer)</a:t>
                       </a:r>
                     </a:p>
                   </a:txBody>
@@ -10402,11 +10410,7 @@
                       </a:r>
                       <a:r>
                         <a:rPr lang="en-US" sz="1200" dirty="0" smtClean="0"/>
-                        <a:t>/products</a:t>
-                      </a:r>
-                      <a:r>
-                        <a:rPr lang="en-US" sz="1200" dirty="0" smtClean="0"/>
-                        <a:t>/</a:t>
+                        <a:t>/products/</a:t>
                       </a:r>
                       <a:endParaRPr lang="en-US" sz="1200" dirty="0"/>
                     </a:p>
@@ -10452,15 +10456,7 @@
                     <a:p>
                       <a:r>
                         <a:rPr lang="en-US" sz="1200" dirty="0" smtClean="0"/>
-                        <a:t>Fetches details of all </a:t>
-                      </a:r>
-                      <a:r>
-                        <a:rPr lang="en-US" sz="1200" dirty="0" smtClean="0"/>
-                        <a:t>products</a:t>
-                      </a:r>
-                      <a:r>
-                        <a:rPr lang="en-US" sz="1200" dirty="0" smtClean="0"/>
-                        <a:t>.</a:t>
+                        <a:t>Fetches details of all products.</a:t>
                       </a:r>
                       <a:endParaRPr lang="en-US" sz="1200" dirty="0"/>
                     </a:p>
@@ -10501,11 +10497,7 @@
                       </a:r>
                       <a:r>
                         <a:rPr lang="en-US" sz="1200" dirty="0" smtClean="0"/>
-                        <a:t>/products/{</a:t>
-                      </a:r>
-                      <a:r>
-                        <a:rPr lang="en-US" sz="1200" dirty="0" smtClean="0"/>
-                        <a:t>id}</a:t>
+                        <a:t>/products/{id}</a:t>
                       </a:r>
                     </a:p>
                   </a:txBody>
@@ -10540,7 +10532,11 @@
                       </a:r>
                       <a:r>
                         <a:rPr lang="en-US" sz="1200" dirty="0" smtClean="0"/>
-                        <a:t>id)</a:t>
+                        <a:t> id</a:t>
+                      </a:r>
+                      <a:r>
+                        <a:rPr lang="en-US" sz="1200" dirty="0" smtClean="0"/>
+                        <a:t>)</a:t>
                       </a:r>
                       <a:endParaRPr lang="en-US" sz="1200" dirty="0"/>
                     </a:p>
@@ -10571,19 +10567,11 @@
                       </a:pPr>
                       <a:r>
                         <a:rPr lang="en-US" sz="1200" dirty="0" smtClean="0"/>
-                        <a:t>Fetches details of </a:t>
-                      </a:r>
-                      <a:r>
-                        <a:rPr lang="en-US" sz="1200" dirty="0" smtClean="0"/>
-                        <a:t>product</a:t>
+                        <a:t>Fetches details of product</a:t>
                       </a:r>
                       <a:r>
                         <a:rPr lang="en-US" sz="1200" baseline="0" dirty="0" smtClean="0"/>
-                        <a:t> </a:t>
-                      </a:r>
-                      <a:r>
-                        <a:rPr lang="en-US" sz="1200" baseline="0" dirty="0" smtClean="0"/>
-                        <a:t>based on it’s id.</a:t>
+                        <a:t> based on it’s id.</a:t>
                       </a:r>
                       <a:endParaRPr lang="en-US" sz="1200" dirty="0" smtClean="0"/>
                     </a:p>
@@ -10626,7 +10614,6 @@
                         <a:rPr lang="en-US" sz="1200" dirty="0" smtClean="0"/>
                         <a:t>/products/</a:t>
                       </a:r>
-                      <a:endParaRPr lang="en-US" sz="1200" dirty="0" smtClean="0"/>
                     </a:p>
                   </a:txBody>
                   <a:tcPr/>
@@ -10670,11 +10657,7 @@
                     <a:p>
                       <a:r>
                         <a:rPr lang="en-US" sz="1200" dirty="0" smtClean="0"/>
-                        <a:t>Adds </a:t>
-                      </a:r>
-                      <a:r>
-                        <a:rPr lang="en-US" sz="1200" dirty="0" smtClean="0"/>
-                        <a:t>product.</a:t>
+                        <a:t>Adds product.</a:t>
                       </a:r>
                       <a:endParaRPr lang="en-US" sz="1200" dirty="0"/>
                     </a:p>
@@ -10715,11 +10698,7 @@
                       </a:r>
                       <a:r>
                         <a:rPr lang="en-US" sz="1200" dirty="0" smtClean="0"/>
-                        <a:t>/products/{</a:t>
-                      </a:r>
-                      <a:r>
-                        <a:rPr lang="en-US" sz="1200" dirty="0" smtClean="0"/>
-                        <a:t>id}</a:t>
+                        <a:t>/products/{id}</a:t>
                       </a:r>
                     </a:p>
                   </a:txBody>
@@ -10750,11 +10729,11 @@
                       </a:r>
                       <a:r>
                         <a:rPr lang="en-US" sz="1200" dirty="0" smtClean="0"/>
-                        <a:t> (</a:t>
+                        <a:t> (long </a:t>
                       </a:r>
                       <a:r>
                         <a:rPr lang="en-US" sz="1200" dirty="0" smtClean="0"/>
-                        <a:t>long id</a:t>
+                        <a:t> id</a:t>
                       </a:r>
                       <a:r>
                         <a:rPr lang="en-US" sz="1200" dirty="0" smtClean="0"/>
@@ -10772,19 +10751,11 @@
                     <a:p>
                       <a:r>
                         <a:rPr lang="en-US" sz="1200" dirty="0" smtClean="0"/>
-                        <a:t>Updates </a:t>
-                      </a:r>
-                      <a:r>
-                        <a:rPr lang="en-US" sz="1200" dirty="0" smtClean="0"/>
-                        <a:t>product</a:t>
+                        <a:t>Updates product</a:t>
                       </a:r>
                       <a:r>
                         <a:rPr lang="en-US" sz="1200" baseline="0" dirty="0" smtClean="0"/>
-                        <a:t> </a:t>
-                      </a:r>
-                      <a:r>
-                        <a:rPr lang="en-US" sz="1200" baseline="0" dirty="0" smtClean="0"/>
-                        <a:t>details based on it’s id.</a:t>
+                        <a:t> details based on it’s id.</a:t>
                       </a:r>
                       <a:endParaRPr lang="en-US" sz="1200" dirty="0"/>
                     </a:p>
@@ -10825,11 +10796,7 @@
                       </a:r>
                       <a:r>
                         <a:rPr lang="en-US" sz="1200" dirty="0" smtClean="0"/>
-                        <a:t>/products/{</a:t>
-                      </a:r>
-                      <a:r>
-                        <a:rPr lang="en-US" sz="1200" dirty="0" smtClean="0"/>
-                        <a:t>id}</a:t>
+                        <a:t>/products/{id}</a:t>
                       </a:r>
                     </a:p>
                   </a:txBody>
@@ -10877,7 +10844,15 @@
                       </a:r>
                       <a:r>
                         <a:rPr lang="en-US" sz="1200" dirty="0" smtClean="0"/>
-                        <a:t> (long id, Product </a:t>
+                        <a:t> (long </a:t>
+                      </a:r>
+                      <a:r>
+                        <a:rPr lang="en-US" sz="1200" dirty="0" smtClean="0"/>
+                        <a:t> id</a:t>
+                      </a:r>
+                      <a:r>
+                        <a:rPr lang="en-US" sz="1200" dirty="0" smtClean="0"/>
+                        <a:t>, Product </a:t>
                       </a:r>
                       <a:r>
                         <a:rPr lang="en-US" sz="1200" dirty="0" err="1" smtClean="0"/>
@@ -10887,7 +10862,6 @@
                         <a:rPr lang="en-US" sz="1200" dirty="0" smtClean="0"/>
                         <a:t>)</a:t>
                       </a:r>
-                      <a:endParaRPr lang="en-US" sz="1200" dirty="0" smtClean="0"/>
                     </a:p>
                   </a:txBody>
                   <a:tcPr/>
@@ -10899,11 +10873,7 @@
                     <a:p>
                       <a:r>
                         <a:rPr lang="en-US" sz="1200" dirty="0" smtClean="0"/>
-                        <a:t>Deletes product </a:t>
-                      </a:r>
-                      <a:r>
-                        <a:rPr lang="en-US" sz="1200" dirty="0" smtClean="0"/>
-                        <a:t>based on it’s id.</a:t>
+                        <a:t>Deletes product based on it’s id.</a:t>
                       </a:r>
                       <a:endParaRPr lang="en-US" sz="1200" dirty="0"/>
                     </a:p>
@@ -10980,7 +10950,7 @@
         </p:nvGraphicFramePr>
         <p:xfrm>
           <a:off x="228600" y="1371600"/>
-          <a:ext cx="8762999" cy="2545080"/>
+          <a:ext cx="8762999" cy="3002280"/>
         </p:xfrm>
         <a:graphic>
           <a:graphicData uri="http://schemas.openxmlformats.org/drawingml/2006/table">
@@ -11100,15 +11070,7 @@
                     <a:p>
                       <a:r>
                         <a:rPr lang="en-US" sz="1200" dirty="0" err="1" smtClean="0"/>
-                        <a:t>getAll</a:t>
-                      </a:r>
-                      <a:r>
-                        <a:rPr lang="en-US" sz="1200" dirty="0" err="1" smtClean="0"/>
-                        <a:t>Order</a:t>
-                      </a:r>
-                      <a:r>
-                        <a:rPr lang="en-US" sz="1200" dirty="0" err="1" smtClean="0"/>
-                        <a:t>s</a:t>
+                        <a:t>getAllOrders</a:t>
                       </a:r>
                       <a:r>
                         <a:rPr lang="en-US" sz="1200" dirty="0" smtClean="0"/>
@@ -11126,15 +11088,7 @@
                     <a:p>
                       <a:r>
                         <a:rPr lang="en-US" sz="1200" dirty="0" smtClean="0"/>
-                        <a:t>Fetches details of all </a:t>
-                      </a:r>
-                      <a:r>
-                        <a:rPr lang="en-US" sz="1200" dirty="0" smtClean="0"/>
-                        <a:t>order</a:t>
-                      </a:r>
-                      <a:r>
-                        <a:rPr lang="en-US" sz="1200" dirty="0" smtClean="0"/>
-                        <a:t>s.</a:t>
+                        <a:t>Fetches details of all orders.</a:t>
                       </a:r>
                       <a:endParaRPr lang="en-US" sz="1200" dirty="0"/>
                     </a:p>
@@ -11202,15 +11156,7 @@
                     <a:p>
                       <a:r>
                         <a:rPr lang="en-US" sz="1200" dirty="0" err="1" smtClean="0"/>
-                        <a:t>get</a:t>
-                      </a:r>
-                      <a:r>
-                        <a:rPr lang="en-US" sz="1200" dirty="0" err="1" smtClean="0"/>
-                        <a:t>Order</a:t>
-                      </a:r>
-                      <a:r>
-                        <a:rPr lang="en-US" sz="1200" dirty="0" err="1" smtClean="0"/>
-                        <a:t>ById</a:t>
+                        <a:t>getOrderById</a:t>
                       </a:r>
                       <a:r>
                         <a:rPr lang="en-US" sz="1200" dirty="0" smtClean="0"/>
@@ -11343,15 +11289,7 @@
                     <a:p>
                       <a:r>
                         <a:rPr lang="en-US" sz="1200" dirty="0" smtClean="0"/>
-                        <a:t>Adds </a:t>
-                      </a:r>
-                      <a:r>
-                        <a:rPr lang="en-US" sz="1200" dirty="0" smtClean="0"/>
-                        <a:t>order</a:t>
-                      </a:r>
-                      <a:r>
-                        <a:rPr lang="en-US" sz="1200" dirty="0" smtClean="0"/>
-                        <a:t>.</a:t>
+                        <a:t>Adds order.</a:t>
                       </a:r>
                       <a:endParaRPr lang="en-US" sz="1200" dirty="0"/>
                     </a:p>
@@ -11426,12 +11364,12 @@
                         <a:t>(long </a:t>
                       </a:r>
                       <a:r>
-                        <a:rPr lang="en-US" sz="1200" dirty="0" err="1" smtClean="0"/>
-                        <a:t>id,Customer</a:t>
-                      </a:r>
-                      <a:r>
                         <a:rPr lang="en-US" sz="1200" dirty="0" smtClean="0"/>
-                        <a:t> customer)</a:t>
+                        <a:t> id, Customer </a:t>
+                      </a:r>
+                      <a:r>
+                        <a:rPr lang="en-US" sz="1200" dirty="0" smtClean="0"/>
+                        <a:t>customer)</a:t>
                       </a:r>
                       <a:endParaRPr lang="en-US" sz="1200" dirty="0"/>
                     </a:p>
@@ -11538,15 +11476,19 @@
                       </a:r>
                       <a:r>
                         <a:rPr lang="en-US" sz="1200" dirty="0" smtClean="0"/>
-                        <a:t>(long </a:t>
-                      </a:r>
-                      <a:r>
-                        <a:rPr lang="en-US" sz="1200" dirty="0" err="1" smtClean="0"/>
-                        <a:t>id,Customer</a:t>
+                        <a:t>(long  </a:t>
                       </a:r>
                       <a:r>
                         <a:rPr lang="en-US" sz="1200" dirty="0" smtClean="0"/>
-                        <a:t> customer)</a:t>
+                        <a:t>id</a:t>
+                      </a:r>
+                      <a:r>
+                        <a:rPr lang="en-US" sz="1200" dirty="0" smtClean="0"/>
+                        <a:t>, Customer </a:t>
+                      </a:r>
+                      <a:r>
+                        <a:rPr lang="en-US" sz="1200" dirty="0" smtClean="0"/>
+                        <a:t>customer)</a:t>
                       </a:r>
                     </a:p>
                   </a:txBody>
@@ -11562,6 +11504,133 @@
                         <a:t>Deletes customer based on it’s id.</a:t>
                       </a:r>
                       <a:endParaRPr lang="en-US" sz="1200" dirty="0"/>
+                    </a:p>
+                  </a:txBody>
+                  <a:tcPr/>
+                </a:tc>
+              </a:tr>
+              <a:tr h="370840">
+                <a:tc>
+                  <a:txBody>
+                    <a:bodyPr/>
+                    <a:lstStyle/>
+                    <a:p>
+                      <a:pPr marL="0" marR="0" indent="0" algn="l" defTabSz="914400" rtl="0" eaLnBrk="1" fontAlgn="auto" latinLnBrk="0" hangingPunct="1">
+                        <a:lnSpc>
+                          <a:spcPct val="100000"/>
+                        </a:lnSpc>
+                        <a:spcBef>
+                          <a:spcPts val="0"/>
+                        </a:spcBef>
+                        <a:spcAft>
+                          <a:spcPts val="0"/>
+                        </a:spcAft>
+                        <a:buClrTx/>
+                        <a:buSzTx/>
+                        <a:buFontTx/>
+                        <a:buNone/>
+                        <a:tabLst/>
+                        <a:defRPr/>
+                      </a:pPr>
+                      <a:r>
+                        <a:rPr lang="en-US" sz="1200" dirty="0" smtClean="0"/>
+                        <a:t>/</a:t>
+                      </a:r>
+                      <a:r>
+                        <a:rPr lang="en-US" sz="1200" dirty="0" err="1" smtClean="0"/>
+                        <a:t>order_manage</a:t>
+                      </a:r>
+                      <a:r>
+                        <a:rPr lang="en-US" sz="1200" dirty="0" smtClean="0"/>
+                        <a:t>/orders/</a:t>
+                      </a:r>
+                      <a:r>
+                        <a:rPr lang="en-US" sz="1200" dirty="0" err="1" smtClean="0"/>
+                        <a:t>cust_prod</a:t>
+                      </a:r>
+                      <a:r>
+                        <a:rPr lang="en-US" sz="1200" dirty="0" smtClean="0"/>
+                        <a:t>/{id</a:t>
+                      </a:r>
+                      <a:r>
+                        <a:rPr lang="en-US" sz="1200" dirty="0" smtClean="0"/>
+                        <a:t>}</a:t>
+                      </a:r>
+                    </a:p>
+                  </a:txBody>
+                  <a:tcPr/>
+                </a:tc>
+                <a:tc>
+                  <a:txBody>
+                    <a:bodyPr/>
+                    <a:lstStyle/>
+                    <a:p>
+                      <a:r>
+                        <a:rPr lang="en-US" sz="1200" dirty="0" smtClean="0"/>
+                        <a:t>GET</a:t>
+                      </a:r>
+                      <a:endParaRPr lang="en-US" sz="1200" dirty="0"/>
+                    </a:p>
+                  </a:txBody>
+                  <a:tcPr/>
+                </a:tc>
+                <a:tc>
+                  <a:txBody>
+                    <a:bodyPr/>
+                    <a:lstStyle/>
+                    <a:p>
+                      <a:r>
+                        <a:rPr lang="en-US" sz="1200" dirty="0" err="1" smtClean="0"/>
+                        <a:t>getOrderCustomerDepartment</a:t>
+                      </a:r>
+                      <a:r>
+                        <a:rPr lang="en-US" sz="1200" dirty="0" smtClean="0"/>
+                        <a:t>(long  </a:t>
+                      </a:r>
+                      <a:r>
+                        <a:rPr lang="en-US" sz="1200" dirty="0" smtClean="0"/>
+                        <a:t>id)</a:t>
+                      </a:r>
+                      <a:endParaRPr lang="en-US" sz="1200" dirty="0"/>
+                    </a:p>
+                  </a:txBody>
+                  <a:tcPr/>
+                </a:tc>
+                <a:tc>
+                  <a:txBody>
+                    <a:bodyPr/>
+                    <a:lstStyle/>
+                    <a:p>
+                      <a:pPr marL="0" marR="0" indent="0" algn="l" defTabSz="914400" rtl="0" eaLnBrk="1" fontAlgn="auto" latinLnBrk="0" hangingPunct="1">
+                        <a:lnSpc>
+                          <a:spcPct val="100000"/>
+                        </a:lnSpc>
+                        <a:spcBef>
+                          <a:spcPts val="0"/>
+                        </a:spcBef>
+                        <a:spcAft>
+                          <a:spcPts val="0"/>
+                        </a:spcAft>
+                        <a:buClrTx/>
+                        <a:buSzTx/>
+                        <a:buFontTx/>
+                        <a:buNone/>
+                        <a:tabLst/>
+                        <a:defRPr/>
+                      </a:pPr>
+                      <a:r>
+                        <a:rPr lang="en-US" sz="1200" dirty="0" smtClean="0"/>
+                        <a:t>Fetches details of order</a:t>
+                      </a:r>
+                      <a:r>
+                        <a:rPr lang="en-US" sz="1200" baseline="0" dirty="0" smtClean="0"/>
+                        <a:t> based on it’s </a:t>
+                      </a:r>
+                      <a:r>
+                        <a:rPr lang="en-US" sz="1200" baseline="0" dirty="0" smtClean="0"/>
+                        <a:t>id with it’s customer and product details.</a:t>
+                      </a:r>
+                      <a:endParaRPr lang="en-US" sz="1200" dirty="0" smtClean="0"/>
                     </a:p>
                   </a:txBody>
                   <a:tcPr/>

--- a/Presentation/application_design.pptx
+++ b/Presentation/application_design.pptx
@@ -296,7 +296,7 @@
             <a:fld id="{CFDA3C3D-27D9-437C-BBE8-9B5EF2F00689}" type="datetimeFigureOut">
               <a:rPr lang="en-US" smtClean="0"/>
               <a:pPr/>
-              <a:t>4/5/2023</a:t>
+              <a:t>4/10/2023</a:t>
             </a:fld>
             <a:endParaRPr lang="en-US"/>
           </a:p>
@@ -463,7 +463,7 @@
             <a:fld id="{CFDA3C3D-27D9-437C-BBE8-9B5EF2F00689}" type="datetimeFigureOut">
               <a:rPr lang="en-US" smtClean="0"/>
               <a:pPr/>
-              <a:t>4/5/2023</a:t>
+              <a:t>4/10/2023</a:t>
             </a:fld>
             <a:endParaRPr lang="en-US"/>
           </a:p>
@@ -640,7 +640,7 @@
             <a:fld id="{CFDA3C3D-27D9-437C-BBE8-9B5EF2F00689}" type="datetimeFigureOut">
               <a:rPr lang="en-US" smtClean="0"/>
               <a:pPr/>
-              <a:t>4/5/2023</a:t>
+              <a:t>4/10/2023</a:t>
             </a:fld>
             <a:endParaRPr lang="en-US"/>
           </a:p>
@@ -807,7 +807,7 @@
             <a:fld id="{CFDA3C3D-27D9-437C-BBE8-9B5EF2F00689}" type="datetimeFigureOut">
               <a:rPr lang="en-US" smtClean="0"/>
               <a:pPr/>
-              <a:t>4/5/2023</a:t>
+              <a:t>4/10/2023</a:t>
             </a:fld>
             <a:endParaRPr lang="en-US"/>
           </a:p>
@@ -1050,7 +1050,7 @@
             <a:fld id="{CFDA3C3D-27D9-437C-BBE8-9B5EF2F00689}" type="datetimeFigureOut">
               <a:rPr lang="en-US" smtClean="0"/>
               <a:pPr/>
-              <a:t>4/5/2023</a:t>
+              <a:t>4/10/2023</a:t>
             </a:fld>
             <a:endParaRPr lang="en-US"/>
           </a:p>
@@ -1335,7 +1335,7 @@
             <a:fld id="{CFDA3C3D-27D9-437C-BBE8-9B5EF2F00689}" type="datetimeFigureOut">
               <a:rPr lang="en-US" smtClean="0"/>
               <a:pPr/>
-              <a:t>4/5/2023</a:t>
+              <a:t>4/10/2023</a:t>
             </a:fld>
             <a:endParaRPr lang="en-US"/>
           </a:p>
@@ -1754,7 +1754,7 @@
             <a:fld id="{CFDA3C3D-27D9-437C-BBE8-9B5EF2F00689}" type="datetimeFigureOut">
               <a:rPr lang="en-US" smtClean="0"/>
               <a:pPr/>
-              <a:t>4/5/2023</a:t>
+              <a:t>4/10/2023</a:t>
             </a:fld>
             <a:endParaRPr lang="en-US"/>
           </a:p>
@@ -1869,7 +1869,7 @@
             <a:fld id="{CFDA3C3D-27D9-437C-BBE8-9B5EF2F00689}" type="datetimeFigureOut">
               <a:rPr lang="en-US" smtClean="0"/>
               <a:pPr/>
-              <a:t>4/5/2023</a:t>
+              <a:t>4/10/2023</a:t>
             </a:fld>
             <a:endParaRPr lang="en-US"/>
           </a:p>
@@ -1961,7 +1961,7 @@
             <a:fld id="{CFDA3C3D-27D9-437C-BBE8-9B5EF2F00689}" type="datetimeFigureOut">
               <a:rPr lang="en-US" smtClean="0"/>
               <a:pPr/>
-              <a:t>4/5/2023</a:t>
+              <a:t>4/10/2023</a:t>
             </a:fld>
             <a:endParaRPr lang="en-US"/>
           </a:p>
@@ -2235,7 +2235,7 @@
             <a:fld id="{CFDA3C3D-27D9-437C-BBE8-9B5EF2F00689}" type="datetimeFigureOut">
               <a:rPr lang="en-US" smtClean="0"/>
               <a:pPr/>
-              <a:t>4/5/2023</a:t>
+              <a:t>4/10/2023</a:t>
             </a:fld>
             <a:endParaRPr lang="en-US"/>
           </a:p>
@@ -2485,7 +2485,7 @@
             <a:fld id="{CFDA3C3D-27D9-437C-BBE8-9B5EF2F00689}" type="datetimeFigureOut">
               <a:rPr lang="en-US" smtClean="0"/>
               <a:pPr/>
-              <a:t>4/5/2023</a:t>
+              <a:t>4/10/2023</a:t>
             </a:fld>
             <a:endParaRPr lang="en-US"/>
           </a:p>
@@ -2695,7 +2695,7 @@
             <a:fld id="{CFDA3C3D-27D9-437C-BBE8-9B5EF2F00689}" type="datetimeFigureOut">
               <a:rPr lang="en-US" smtClean="0"/>
               <a:pPr/>
-              <a:t>4/5/2023</a:t>
+              <a:t>4/10/2023</a:t>
             </a:fld>
             <a:endParaRPr lang="en-US"/>
           </a:p>
@@ -3907,7 +3907,7 @@
         <p:spPr>
           <a:xfrm>
             <a:off x="5638800" y="3505200"/>
-            <a:ext cx="1601400" cy="369332"/>
+            <a:ext cx="2112758" cy="369332"/>
           </a:xfrm>
           <a:prstGeom prst="rect">
             <a:avLst/>
@@ -3922,7 +3922,11 @@
           <a:p>
             <a:r>
               <a:rPr lang="en-US" dirty="0" smtClean="0"/>
-              <a:t>Customer page</a:t>
+              <a:t>Customer </a:t>
+            </a:r>
+            <a:r>
+              <a:rPr lang="en-US" dirty="0" smtClean="0"/>
+              <a:t>login page</a:t>
             </a:r>
             <a:endParaRPr lang="en-US" dirty="0"/>
           </a:p>
@@ -3937,7 +3941,7 @@
         <p:spPr>
           <a:xfrm>
             <a:off x="5486400" y="457200"/>
-            <a:ext cx="1306448" cy="369332"/>
+            <a:ext cx="1817805" cy="369332"/>
           </a:xfrm>
           <a:prstGeom prst="rect">
             <a:avLst/>
@@ -3952,7 +3956,11 @@
           <a:p>
             <a:r>
               <a:rPr lang="en-US" dirty="0" smtClean="0"/>
-              <a:t>Admin page</a:t>
+              <a:t>Admin login </a:t>
+            </a:r>
+            <a:r>
+              <a:rPr lang="en-US" dirty="0" smtClean="0"/>
+              <a:t>page</a:t>
             </a:r>
             <a:endParaRPr lang="en-US" dirty="0"/>
           </a:p>
@@ -4138,7 +4146,7 @@
         <p:spPr>
           <a:xfrm>
             <a:off x="838200" y="304800"/>
-            <a:ext cx="851515" cy="369332"/>
+            <a:ext cx="867545" cy="369332"/>
           </a:xfrm>
           <a:prstGeom prst="rect">
             <a:avLst/>
@@ -4152,8 +4160,12 @@
           <a:lstStyle/>
           <a:p>
             <a:r>
+              <a:rPr lang="en-US" b="1" dirty="0" smtClean="0"/>
+              <a:t>Admin</a:t>
+            </a:r>
+            <a:r>
               <a:rPr lang="en-US" dirty="0" smtClean="0"/>
-              <a:t>Admin </a:t>
+              <a:t> </a:t>
             </a:r>
             <a:endParaRPr lang="en-US" dirty="0"/>
           </a:p>
@@ -4534,7 +4546,7 @@
         <p:spPr>
           <a:xfrm>
             <a:off x="609600" y="3048000"/>
-            <a:ext cx="1981200" cy="2057400"/>
+            <a:ext cx="1981200" cy="2209800"/>
           </a:xfrm>
           <a:prstGeom prst="rect">
             <a:avLst/>
@@ -4959,8 +4971,8 @@
         </p:nvSpPr>
         <p:spPr>
           <a:xfrm>
-            <a:off x="642720" y="4285200"/>
-            <a:ext cx="958917" cy="246221"/>
+            <a:off x="914400" y="4267200"/>
+            <a:ext cx="593432" cy="246221"/>
           </a:xfrm>
           <a:prstGeom prst="rect">
             <a:avLst/>
@@ -4975,7 +4987,7 @@
           <a:p>
             <a:r>
               <a:rPr lang="en-US" sz="1000" dirty="0" smtClean="0"/>
-              <a:t>Phone number</a:t>
+              <a:t>Email id</a:t>
             </a:r>
             <a:endParaRPr lang="en-US" sz="1000" dirty="0"/>
           </a:p>
@@ -4989,7 +5001,7 @@
         </p:nvSpPr>
         <p:spPr>
           <a:xfrm>
-            <a:off x="1219200" y="4648200"/>
+            <a:off x="1676400" y="4953000"/>
             <a:ext cx="685800" cy="228600"/>
           </a:xfrm>
           <a:prstGeom prst="rect">
@@ -5947,7 +5959,7 @@
         </p:nvCxnSpPr>
         <p:spPr>
           <a:xfrm flipV="1">
-            <a:off x="1905000" y="4114800"/>
+            <a:off x="2362200" y="4419600"/>
             <a:ext cx="3962400" cy="647700"/>
           </a:xfrm>
           <a:prstGeom prst="straightConnector1">
@@ -6361,6 +6373,76 @@
           </a:fontRef>
         </p:style>
       </p:cxnSp>
+      <p:sp>
+        <p:nvSpPr>
+          <p:cNvPr id="62" name="Rectangle 61"/>
+          <p:cNvSpPr/>
+          <p:nvPr/>
+        </p:nvSpPr>
+        <p:spPr>
+          <a:xfrm>
+            <a:off x="1676400" y="4630579"/>
+            <a:ext cx="685800" cy="228600"/>
+          </a:xfrm>
+          <a:prstGeom prst="rect">
+            <a:avLst/>
+          </a:prstGeom>
+        </p:spPr>
+        <p:style>
+          <a:lnRef idx="2">
+            <a:schemeClr val="accent1">
+              <a:shade val="50000"/>
+            </a:schemeClr>
+          </a:lnRef>
+          <a:fillRef idx="1">
+            <a:schemeClr val="accent1"/>
+          </a:fillRef>
+          <a:effectRef idx="0">
+            <a:schemeClr val="accent1"/>
+          </a:effectRef>
+          <a:fontRef idx="minor">
+            <a:schemeClr val="lt1"/>
+          </a:fontRef>
+        </p:style>
+        <p:txBody>
+          <a:bodyPr rtlCol="0" anchor="ctr"/>
+          <a:lstStyle/>
+          <a:p>
+            <a:pPr algn="ctr"/>
+            <a:endParaRPr lang="en-US"/>
+          </a:p>
+        </p:txBody>
+      </p:sp>
+      <p:sp>
+        <p:nvSpPr>
+          <p:cNvPr id="63" name="TextBox 62"/>
+          <p:cNvSpPr txBox="1"/>
+          <p:nvPr/>
+        </p:nvSpPr>
+        <p:spPr>
+          <a:xfrm>
+            <a:off x="641283" y="4630579"/>
+            <a:ext cx="958917" cy="246221"/>
+          </a:xfrm>
+          <a:prstGeom prst="rect">
+            <a:avLst/>
+          </a:prstGeom>
+          <a:noFill/>
+        </p:spPr>
+        <p:txBody>
+          <a:bodyPr wrap="none" rtlCol="0">
+            <a:spAutoFit/>
+          </a:bodyPr>
+          <a:lstStyle/>
+          <a:p>
+            <a:r>
+              <a:rPr lang="en-US" sz="1000" dirty="0" smtClean="0"/>
+              <a:t>Phone number</a:t>
+            </a:r>
+            <a:endParaRPr lang="en-US" sz="1000" dirty="0"/>
+          </a:p>
+        </p:txBody>
+      </p:sp>
     </p:spTree>
   </p:cSld>
   <p:clrMapOvr>
@@ -6395,7 +6477,7 @@
         <p:spPr>
           <a:xfrm>
             <a:off x="609600" y="381000"/>
-            <a:ext cx="1093569" cy="369332"/>
+            <a:ext cx="1104790" cy="369332"/>
           </a:xfrm>
           <a:prstGeom prst="rect">
             <a:avLst/>
@@ -6409,10 +6491,10 @@
           <a:lstStyle/>
           <a:p>
             <a:r>
-              <a:rPr lang="en-US" dirty="0" smtClean="0"/>
+              <a:rPr lang="en-US" b="1" dirty="0" smtClean="0"/>
               <a:t>Customer</a:t>
             </a:r>
-            <a:endParaRPr lang="en-US" dirty="0"/>
+            <a:endParaRPr lang="en-US" b="1" dirty="0"/>
           </a:p>
         </p:txBody>
       </p:sp>
@@ -6696,7 +6778,7 @@
         <p:spPr>
           <a:xfrm>
             <a:off x="609600" y="3429000"/>
-            <a:ext cx="3733800" cy="1752600"/>
+            <a:ext cx="3733800" cy="2438400"/>
           </a:xfrm>
           <a:prstGeom prst="rect">
             <a:avLst/>
@@ -6861,14 +6943,14 @@
           </a:ln>
         </p:spPr>
         <p:style>
-          <a:lnRef idx="1">
-            <a:schemeClr val="accent1"/>
+          <a:lnRef idx="2">
+            <a:schemeClr val="accent5"/>
           </a:lnRef>
           <a:fillRef idx="0">
-            <a:schemeClr val="accent1"/>
-          </a:fillRef>
-          <a:effectRef idx="0">
-            <a:schemeClr val="accent1"/>
+            <a:schemeClr val="accent5"/>
+          </a:fillRef>
+          <a:effectRef idx="1">
+            <a:schemeClr val="accent5"/>
           </a:effectRef>
           <a:fontRef idx="minor">
             <a:schemeClr val="tx1"/>
@@ -6896,14 +6978,14 @@
           </a:ln>
         </p:spPr>
         <p:style>
-          <a:lnRef idx="1">
-            <a:schemeClr val="accent1"/>
+          <a:lnRef idx="2">
+            <a:schemeClr val="accent5"/>
           </a:lnRef>
           <a:fillRef idx="0">
-            <a:schemeClr val="accent1"/>
-          </a:fillRef>
-          <a:effectRef idx="0">
-            <a:schemeClr val="accent1"/>
+            <a:schemeClr val="accent5"/>
+          </a:fillRef>
+          <a:effectRef idx="1">
+            <a:schemeClr val="accent5"/>
           </a:effectRef>
           <a:fontRef idx="minor">
             <a:schemeClr val="tx1"/>
@@ -6929,14 +7011,14 @@
           </a:ln>
         </p:spPr>
         <p:style>
-          <a:lnRef idx="1">
-            <a:schemeClr val="accent1"/>
+          <a:lnRef idx="2">
+            <a:schemeClr val="accent5"/>
           </a:lnRef>
           <a:fillRef idx="0">
-            <a:schemeClr val="accent1"/>
-          </a:fillRef>
-          <a:effectRef idx="0">
-            <a:schemeClr val="accent1"/>
+            <a:schemeClr val="accent5"/>
+          </a:fillRef>
+          <a:effectRef idx="1">
+            <a:schemeClr val="accent5"/>
           </a:effectRef>
           <a:fontRef idx="minor">
             <a:schemeClr val="tx1"/>
@@ -7098,50 +7180,6 @@
               <a:t>Qte</a:t>
             </a:r>
             <a:endParaRPr lang="en-US" sz="1000" dirty="0"/>
-          </a:p>
-        </p:txBody>
-      </p:sp>
-      <p:sp>
-        <p:nvSpPr>
-          <p:cNvPr id="36" name="Rectangle 35"/>
-          <p:cNvSpPr/>
-          <p:nvPr/>
-        </p:nvSpPr>
-        <p:spPr>
-          <a:xfrm>
-            <a:off x="2590800" y="4513421"/>
-            <a:ext cx="685800" cy="228600"/>
-          </a:xfrm>
-          <a:prstGeom prst="rect">
-            <a:avLst/>
-          </a:prstGeom>
-        </p:spPr>
-        <p:style>
-          <a:lnRef idx="2">
-            <a:schemeClr val="accent1">
-              <a:shade val="50000"/>
-            </a:schemeClr>
-          </a:lnRef>
-          <a:fillRef idx="1">
-            <a:schemeClr val="accent1"/>
-          </a:fillRef>
-          <a:effectRef idx="0">
-            <a:schemeClr val="accent1"/>
-          </a:effectRef>
-          <a:fontRef idx="minor">
-            <a:schemeClr val="lt1"/>
-          </a:fontRef>
-        </p:style>
-        <p:txBody>
-          <a:bodyPr rtlCol="0" anchor="ctr"/>
-          <a:lstStyle/>
-          <a:p>
-            <a:pPr algn="ctr"/>
-            <a:r>
-              <a:rPr lang="en-US" sz="900" dirty="0" smtClean="0"/>
-              <a:t>add</a:t>
-            </a:r>
-            <a:endParaRPr lang="en-US" sz="900" dirty="0"/>
           </a:p>
         </p:txBody>
       </p:sp>
@@ -7363,7 +7401,7 @@
         </p:nvSpPr>
         <p:spPr>
           <a:xfrm>
-            <a:off x="3276600" y="4876800"/>
+            <a:off x="3276600" y="5334000"/>
             <a:ext cx="838200" cy="228600"/>
           </a:xfrm>
           <a:prstGeom prst="rect">
@@ -7406,14 +7444,15 @@
         <p:nvCxnSpPr>
           <p:cNvPr id="47" name="Straight Arrow Connector 46"/>
           <p:cNvCxnSpPr>
+            <a:stCxn id="44" idx="3"/>
             <a:endCxn id="15" idx="1"/>
           </p:cNvCxnSpPr>
           <p:nvPr/>
         </p:nvCxnSpPr>
         <p:spPr>
-          <a:xfrm rot="5400000" flipH="1" flipV="1">
-            <a:off x="3962400" y="4191000"/>
-            <a:ext cx="914400" cy="609600"/>
+          <a:xfrm flipV="1">
+            <a:off x="4114800" y="4038600"/>
+            <a:ext cx="609600" cy="1409700"/>
           </a:xfrm>
           <a:prstGeom prst="straightConnector1">
             <a:avLst/>
@@ -7423,14 +7462,14 @@
           </a:ln>
         </p:spPr>
         <p:style>
-          <a:lnRef idx="1">
-            <a:schemeClr val="accent1"/>
+          <a:lnRef idx="2">
+            <a:schemeClr val="accent5"/>
           </a:lnRef>
           <a:fillRef idx="0">
-            <a:schemeClr val="accent1"/>
-          </a:fillRef>
-          <a:effectRef idx="0">
-            <a:schemeClr val="accent1"/>
+            <a:schemeClr val="accent5"/>
+          </a:fillRef>
+          <a:effectRef idx="1">
+            <a:schemeClr val="accent5"/>
           </a:effectRef>
           <a:fontRef idx="minor">
             <a:schemeClr val="tx1"/>
@@ -7442,13 +7481,14 @@
           <p:cNvPr id="49" name="Straight Arrow Connector 48"/>
           <p:cNvCxnSpPr>
             <a:stCxn id="32" idx="2"/>
+            <a:endCxn id="38" idx="0"/>
           </p:cNvCxnSpPr>
           <p:nvPr/>
         </p:nvCxnSpPr>
         <p:spPr>
           <a:xfrm rot="5400000">
-            <a:off x="6877050" y="4248150"/>
-            <a:ext cx="1295400" cy="723900"/>
+            <a:off x="6591300" y="3962400"/>
+            <a:ext cx="1295400" cy="1295400"/>
           </a:xfrm>
           <a:prstGeom prst="straightConnector1">
             <a:avLst/>
@@ -7458,14 +7498,338 @@
           </a:ln>
         </p:spPr>
         <p:style>
-          <a:lnRef idx="1">
-            <a:schemeClr val="accent1"/>
+          <a:lnRef idx="2">
+            <a:schemeClr val="accent5"/>
           </a:lnRef>
           <a:fillRef idx="0">
+            <a:schemeClr val="accent5"/>
+          </a:fillRef>
+          <a:effectRef idx="1">
+            <a:schemeClr val="accent5"/>
+          </a:effectRef>
+          <a:fontRef idx="minor">
+            <a:schemeClr val="tx1"/>
+          </a:fontRef>
+        </p:style>
+      </p:cxnSp>
+      <p:sp>
+        <p:nvSpPr>
+          <p:cNvPr id="35" name="Rectangle 34"/>
+          <p:cNvSpPr/>
+          <p:nvPr/>
+        </p:nvSpPr>
+        <p:spPr>
+          <a:xfrm>
+            <a:off x="2590800" y="4859179"/>
+            <a:ext cx="685800" cy="228600"/>
+          </a:xfrm>
+          <a:prstGeom prst="rect">
+            <a:avLst/>
+          </a:prstGeom>
+        </p:spPr>
+        <p:style>
+          <a:lnRef idx="2">
+            <a:schemeClr val="accent1">
+              <a:shade val="50000"/>
+            </a:schemeClr>
+          </a:lnRef>
+          <a:fillRef idx="1">
             <a:schemeClr val="accent1"/>
           </a:fillRef>
           <a:effectRef idx="0">
             <a:schemeClr val="accent1"/>
+          </a:effectRef>
+          <a:fontRef idx="minor">
+            <a:schemeClr val="lt1"/>
+          </a:fontRef>
+        </p:style>
+        <p:txBody>
+          <a:bodyPr rtlCol="0" anchor="ctr"/>
+          <a:lstStyle/>
+          <a:p>
+            <a:pPr algn="ctr"/>
+            <a:endParaRPr lang="en-US"/>
+          </a:p>
+        </p:txBody>
+      </p:sp>
+      <p:sp>
+        <p:nvSpPr>
+          <p:cNvPr id="37" name="TextBox 36"/>
+          <p:cNvSpPr txBox="1"/>
+          <p:nvPr/>
+        </p:nvSpPr>
+        <p:spPr>
+          <a:xfrm>
+            <a:off x="1752600" y="4859179"/>
+            <a:ext cx="835485" cy="246221"/>
+          </a:xfrm>
+          <a:prstGeom prst="rect">
+            <a:avLst/>
+          </a:prstGeom>
+          <a:noFill/>
+        </p:spPr>
+        <p:txBody>
+          <a:bodyPr wrap="none" rtlCol="0">
+            <a:spAutoFit/>
+          </a:bodyPr>
+          <a:lstStyle/>
+          <a:p>
+            <a:r>
+              <a:rPr lang="en-US" sz="1000" dirty="0" smtClean="0"/>
+              <a:t>Upload Gift  </a:t>
+            </a:r>
+            <a:endParaRPr lang="en-US" sz="1000" dirty="0"/>
+          </a:p>
+        </p:txBody>
+      </p:sp>
+      <p:sp>
+        <p:nvSpPr>
+          <p:cNvPr id="43" name="Rectangle 42"/>
+          <p:cNvSpPr/>
+          <p:nvPr/>
+        </p:nvSpPr>
+        <p:spPr>
+          <a:xfrm>
+            <a:off x="3352800" y="4859179"/>
+            <a:ext cx="533400" cy="228600"/>
+          </a:xfrm>
+          <a:prstGeom prst="rect">
+            <a:avLst/>
+          </a:prstGeom>
+          <a:solidFill>
+            <a:srgbClr val="FF0000"/>
+          </a:solidFill>
+        </p:spPr>
+        <p:style>
+          <a:lnRef idx="2">
+            <a:schemeClr val="accent1">
+              <a:shade val="50000"/>
+            </a:schemeClr>
+          </a:lnRef>
+          <a:fillRef idx="1">
+            <a:schemeClr val="accent1"/>
+          </a:fillRef>
+          <a:effectRef idx="0">
+            <a:schemeClr val="accent1"/>
+          </a:effectRef>
+          <a:fontRef idx="minor">
+            <a:schemeClr val="lt1"/>
+          </a:fontRef>
+        </p:style>
+        <p:txBody>
+          <a:bodyPr rtlCol="0" anchor="ctr"/>
+          <a:lstStyle/>
+          <a:p>
+            <a:pPr algn="ctr"/>
+            <a:r>
+              <a:rPr lang="en-US" sz="900" dirty="0" smtClean="0"/>
+              <a:t>Upload </a:t>
+            </a:r>
+            <a:endParaRPr lang="en-US" sz="900" dirty="0"/>
+          </a:p>
+        </p:txBody>
+      </p:sp>
+      <p:sp>
+        <p:nvSpPr>
+          <p:cNvPr id="46" name="TextBox 45"/>
+          <p:cNvSpPr txBox="1"/>
+          <p:nvPr/>
+        </p:nvSpPr>
+        <p:spPr>
+          <a:xfrm>
+            <a:off x="1600200" y="6019800"/>
+            <a:ext cx="2590800" cy="646331"/>
+          </a:xfrm>
+          <a:prstGeom prst="rect">
+            <a:avLst/>
+          </a:prstGeom>
+          <a:solidFill>
+            <a:srgbClr val="FFC000"/>
+          </a:solidFill>
+        </p:spPr>
+        <p:txBody>
+          <a:bodyPr wrap="square" rtlCol="0">
+            <a:spAutoFit/>
+          </a:bodyPr>
+          <a:lstStyle/>
+          <a:p>
+            <a:pPr algn="ctr"/>
+            <a:r>
+              <a:rPr lang="en-US" b="1" dirty="0" smtClean="0">
+                <a:solidFill>
+                  <a:schemeClr val="tx2"/>
+                </a:solidFill>
+              </a:rPr>
+              <a:t>Notify customer by email</a:t>
+            </a:r>
+          </a:p>
+          <a:p>
+            <a:pPr algn="ctr"/>
+            <a:r>
+              <a:rPr lang="en-US" b="1" dirty="0" smtClean="0">
+                <a:solidFill>
+                  <a:schemeClr val="tx2"/>
+                </a:solidFill>
+              </a:rPr>
+              <a:t>(Kafka Consumer)</a:t>
+            </a:r>
+            <a:endParaRPr lang="en-US" b="1" dirty="0">
+              <a:solidFill>
+                <a:schemeClr val="tx2"/>
+              </a:solidFill>
+            </a:endParaRPr>
+          </a:p>
+        </p:txBody>
+      </p:sp>
+      <p:cxnSp>
+        <p:nvCxnSpPr>
+          <p:cNvPr id="50" name="Straight Arrow Connector 49"/>
+          <p:cNvCxnSpPr>
+            <a:stCxn id="42" idx="1"/>
+            <a:endCxn id="46" idx="3"/>
+          </p:cNvCxnSpPr>
+          <p:nvPr/>
+        </p:nvCxnSpPr>
+        <p:spPr>
+          <a:xfrm rot="10800000" flipV="1">
+            <a:off x="4191000" y="6057900"/>
+            <a:ext cx="2133600" cy="285066"/>
+          </a:xfrm>
+          <a:prstGeom prst="straightConnector1">
+            <a:avLst/>
+          </a:prstGeom>
+          <a:ln>
+            <a:tailEnd type="arrow"/>
+          </a:ln>
+        </p:spPr>
+        <p:style>
+          <a:lnRef idx="2">
+            <a:schemeClr val="dk1"/>
+          </a:lnRef>
+          <a:fillRef idx="0">
+            <a:schemeClr val="dk1"/>
+          </a:fillRef>
+          <a:effectRef idx="1">
+            <a:schemeClr val="dk1"/>
+          </a:effectRef>
+          <a:fontRef idx="minor">
+            <a:schemeClr val="tx1"/>
+          </a:fontRef>
+        </p:style>
+      </p:cxnSp>
+      <p:cxnSp>
+        <p:nvCxnSpPr>
+          <p:cNvPr id="54" name="Straight Arrow Connector 53"/>
+          <p:cNvCxnSpPr>
+            <a:stCxn id="44" idx="2"/>
+            <a:endCxn id="46" idx="0"/>
+          </p:cNvCxnSpPr>
+          <p:nvPr/>
+        </p:nvCxnSpPr>
+        <p:spPr>
+          <a:xfrm rot="5400000">
+            <a:off x="3067050" y="5391150"/>
+            <a:ext cx="457200" cy="800100"/>
+          </a:xfrm>
+          <a:prstGeom prst="straightConnector1">
+            <a:avLst/>
+          </a:prstGeom>
+          <a:ln>
+            <a:tailEnd type="arrow"/>
+          </a:ln>
+        </p:spPr>
+        <p:style>
+          <a:lnRef idx="2">
+            <a:schemeClr val="dk1"/>
+          </a:lnRef>
+          <a:fillRef idx="0">
+            <a:schemeClr val="dk1"/>
+          </a:fillRef>
+          <a:effectRef idx="1">
+            <a:schemeClr val="dk1"/>
+          </a:effectRef>
+          <a:fontRef idx="minor">
+            <a:schemeClr val="tx1"/>
+          </a:fontRef>
+        </p:style>
+      </p:cxnSp>
+      <p:sp>
+        <p:nvSpPr>
+          <p:cNvPr id="45" name="Rectangle 44"/>
+          <p:cNvSpPr/>
+          <p:nvPr/>
+        </p:nvSpPr>
+        <p:spPr>
+          <a:xfrm>
+            <a:off x="6172200" y="1143000"/>
+            <a:ext cx="1295400" cy="457200"/>
+          </a:xfrm>
+          <a:prstGeom prst="rect">
+            <a:avLst/>
+          </a:prstGeom>
+        </p:spPr>
+        <p:style>
+          <a:lnRef idx="2">
+            <a:schemeClr val="accent1">
+              <a:shade val="50000"/>
+            </a:schemeClr>
+          </a:lnRef>
+          <a:fillRef idx="1">
+            <a:schemeClr val="accent1"/>
+          </a:fillRef>
+          <a:effectRef idx="0">
+            <a:schemeClr val="accent1"/>
+          </a:effectRef>
+          <a:fontRef idx="minor">
+            <a:schemeClr val="lt1"/>
+          </a:fontRef>
+        </p:style>
+        <p:txBody>
+          <a:bodyPr rtlCol="0" anchor="ctr"/>
+          <a:lstStyle/>
+          <a:p>
+            <a:pPr algn="ctr"/>
+            <a:r>
+              <a:rPr lang="en-US" sz="1400" dirty="0" smtClean="0"/>
+              <a:t>Update/Delete </a:t>
+            </a:r>
+            <a:r>
+              <a:rPr lang="en-US" sz="1400" dirty="0" smtClean="0"/>
+              <a:t>Order</a:t>
+            </a:r>
+            <a:endParaRPr lang="en-US" sz="1400" dirty="0"/>
+          </a:p>
+        </p:txBody>
+      </p:sp>
+      <p:cxnSp>
+        <p:nvCxnSpPr>
+          <p:cNvPr id="53" name="Straight Arrow Connector 52"/>
+          <p:cNvCxnSpPr>
+            <a:endCxn id="32" idx="0"/>
+          </p:cNvCxnSpPr>
+          <p:nvPr/>
+        </p:nvCxnSpPr>
+        <p:spPr>
+          <a:xfrm rot="16200000" flipH="1">
+            <a:off x="6496050" y="2343150"/>
+            <a:ext cx="2362200" cy="419100"/>
+          </a:xfrm>
+          <a:prstGeom prst="straightConnector1">
+            <a:avLst/>
+          </a:prstGeom>
+          <a:ln>
+            <a:tailEnd type="arrow"/>
+          </a:ln>
+        </p:spPr>
+        <p:style>
+          <a:lnRef idx="2">
+            <a:schemeClr val="accent5"/>
+          </a:lnRef>
+          <a:fillRef idx="0">
+            <a:schemeClr val="accent5"/>
+          </a:fillRef>
+          <a:effectRef idx="1">
+            <a:schemeClr val="accent5"/>
           </a:effectRef>
           <a:fontRef idx="minor">
             <a:schemeClr val="tx1"/>
@@ -10037,11 +10401,7 @@
                       </a:r>
                       <a:r>
                         <a:rPr lang="en-US" sz="1200" dirty="0" smtClean="0"/>
-                        <a:t>(long  </a:t>
-                      </a:r>
-                      <a:r>
-                        <a:rPr lang="en-US" sz="1200" dirty="0" smtClean="0"/>
-                        <a:t>id)</a:t>
+                        <a:t>(long  id)</a:t>
                       </a:r>
                       <a:endParaRPr lang="en-US" sz="1200" dirty="0"/>
                     </a:p>
@@ -10357,11 +10717,7 @@
                       </a:r>
                       <a:r>
                         <a:rPr lang="en-US" sz="1200" dirty="0" smtClean="0"/>
-                        <a:t>(long </a:t>
-                      </a:r>
-                      <a:r>
-                        <a:rPr lang="en-US" sz="1200" dirty="0" smtClean="0"/>
-                        <a:t> </a:t>
+                        <a:t>(long  </a:t>
                       </a:r>
                       <a:r>
                         <a:rPr lang="en-US" sz="1200" dirty="0" err="1" smtClean="0"/>
@@ -10369,11 +10725,7 @@
                       </a:r>
                       <a:r>
                         <a:rPr lang="en-US" sz="1200" dirty="0" smtClean="0"/>
-                        <a:t> </a:t>
-                      </a:r>
-                      <a:r>
-                        <a:rPr lang="en-US" sz="1200" dirty="0" smtClean="0"/>
-                        <a:t>customer)</a:t>
+                        <a:t> customer)</a:t>
                       </a:r>
                     </a:p>
                   </a:txBody>
@@ -10528,15 +10880,7 @@
                       </a:r>
                       <a:r>
                         <a:rPr lang="en-US" sz="1200" dirty="0" smtClean="0"/>
-                        <a:t>(long </a:t>
-                      </a:r>
-                      <a:r>
-                        <a:rPr lang="en-US" sz="1200" dirty="0" smtClean="0"/>
-                        <a:t> id</a:t>
-                      </a:r>
-                      <a:r>
-                        <a:rPr lang="en-US" sz="1200" dirty="0" smtClean="0"/>
-                        <a:t>)</a:t>
+                        <a:t>(long  id)</a:t>
                       </a:r>
                       <a:endParaRPr lang="en-US" sz="1200" dirty="0"/>
                     </a:p>
@@ -10729,15 +11073,7 @@
                       </a:r>
                       <a:r>
                         <a:rPr lang="en-US" sz="1200" dirty="0" smtClean="0"/>
-                        <a:t> (long </a:t>
-                      </a:r>
-                      <a:r>
-                        <a:rPr lang="en-US" sz="1200" dirty="0" smtClean="0"/>
-                        <a:t> id</a:t>
-                      </a:r>
-                      <a:r>
-                        <a:rPr lang="en-US" sz="1200" dirty="0" smtClean="0"/>
-                        <a:t>, Product product)</a:t>
+                        <a:t> (long  id, Product product)</a:t>
                       </a:r>
                       <a:endParaRPr lang="en-US" sz="1200" dirty="0"/>
                     </a:p>
@@ -10844,15 +11180,7 @@
                       </a:r>
                       <a:r>
                         <a:rPr lang="en-US" sz="1200" dirty="0" smtClean="0"/>
-                        <a:t> (long </a:t>
-                      </a:r>
-                      <a:r>
-                        <a:rPr lang="en-US" sz="1200" dirty="0" smtClean="0"/>
-                        <a:t> id</a:t>
-                      </a:r>
-                      <a:r>
-                        <a:rPr lang="en-US" sz="1200" dirty="0" smtClean="0"/>
-                        <a:t>, Product </a:t>
+                        <a:t> (long  id, Product </a:t>
                       </a:r>
                       <a:r>
                         <a:rPr lang="en-US" sz="1200" dirty="0" err="1" smtClean="0"/>
@@ -10950,7 +11278,7 @@
         </p:nvGraphicFramePr>
         <p:xfrm>
           <a:off x="228600" y="1371600"/>
-          <a:ext cx="8762999" cy="3002280"/>
+          <a:ext cx="8762999" cy="3830320"/>
         </p:xfrm>
         <a:graphic>
           <a:graphicData uri="http://schemas.openxmlformats.org/drawingml/2006/table">
@@ -11263,15 +11591,19 @@
                     <a:p>
                       <a:r>
                         <a:rPr lang="en-US" sz="1200" dirty="0" err="1" smtClean="0"/>
-                        <a:t>addCustomer</a:t>
+                        <a:t>addOrder</a:t>
                       </a:r>
                       <a:r>
                         <a:rPr lang="en-US" sz="1200" dirty="0" smtClean="0"/>
-                        <a:t>(Customer </a:t>
-                      </a:r>
-                      <a:r>
-                        <a:rPr lang="en-US" sz="1200" dirty="0" err="1" smtClean="0"/>
-                        <a:t>customer</a:t>
+                        <a:t>(Order</a:t>
+                      </a:r>
+                      <a:r>
+                        <a:rPr lang="en-US" sz="1200" baseline="0" dirty="0" smtClean="0"/>
+                        <a:t> </a:t>
+                      </a:r>
+                      <a:r>
+                        <a:rPr lang="en-US" sz="1200" baseline="0" dirty="0" err="1" smtClean="0"/>
+                        <a:t>order</a:t>
                       </a:r>
                       <a:r>
                         <a:rPr lang="en-US" sz="1200" dirty="0" smtClean="0"/>
@@ -11357,19 +11689,19 @@
                     <a:p>
                       <a:r>
                         <a:rPr lang="en-US" sz="1200" dirty="0" err="1" smtClean="0"/>
-                        <a:t>updateCustomer</a:t>
+                        <a:t>updateOrder</a:t>
                       </a:r>
                       <a:r>
                         <a:rPr lang="en-US" sz="1200" dirty="0" smtClean="0"/>
-                        <a:t>(long </a:t>
+                        <a:t>(long  id, Order </a:t>
+                      </a:r>
+                      <a:r>
+                        <a:rPr lang="en-US" sz="1200" dirty="0" err="1" smtClean="0"/>
+                        <a:t>order</a:t>
                       </a:r>
                       <a:r>
                         <a:rPr lang="en-US" sz="1200" dirty="0" smtClean="0"/>
-                        <a:t> id, Customer </a:t>
-                      </a:r>
-                      <a:r>
-                        <a:rPr lang="en-US" sz="1200" dirty="0" smtClean="0"/>
-                        <a:t>customer)</a:t>
+                        <a:t>)</a:t>
                       </a:r>
                       <a:endParaRPr lang="en-US" sz="1200" dirty="0"/>
                     </a:p>
@@ -11472,23 +11804,19 @@
                       </a:pPr>
                       <a:r>
                         <a:rPr lang="en-US" sz="1200" dirty="0" err="1" smtClean="0"/>
-                        <a:t>deleteCustomer</a:t>
+                        <a:t>deleteOrder</a:t>
                       </a:r>
                       <a:r>
                         <a:rPr lang="en-US" sz="1200" dirty="0" smtClean="0"/>
-                        <a:t>(long  </a:t>
+                        <a:t>(long  id, Order </a:t>
+                      </a:r>
+                      <a:r>
+                        <a:rPr lang="en-US" sz="1200" dirty="0" err="1" smtClean="0"/>
+                        <a:t>order</a:t>
                       </a:r>
                       <a:r>
                         <a:rPr lang="en-US" sz="1200" dirty="0" smtClean="0"/>
-                        <a:t>id</a:t>
-                      </a:r>
-                      <a:r>
-                        <a:rPr lang="en-US" sz="1200" dirty="0" smtClean="0"/>
-                        <a:t>, Customer </a:t>
-                      </a:r>
-                      <a:r>
-                        <a:rPr lang="en-US" sz="1200" dirty="0" smtClean="0"/>
-                        <a:t>customer)</a:t>
+                        <a:t>)</a:t>
                       </a:r>
                     </a:p>
                   </a:txBody>
@@ -11550,11 +11878,7 @@
                       </a:r>
                       <a:r>
                         <a:rPr lang="en-US" sz="1200" dirty="0" smtClean="0"/>
-                        <a:t>/{id</a:t>
-                      </a:r>
-                      <a:r>
-                        <a:rPr lang="en-US" sz="1200" dirty="0" smtClean="0"/>
-                        <a:t>}</a:t>
+                        <a:t>/{id}</a:t>
                       </a:r>
                     </a:p>
                   </a:txBody>
@@ -11585,11 +11909,7 @@
                       </a:r>
                       <a:r>
                         <a:rPr lang="en-US" sz="1200" dirty="0" smtClean="0"/>
-                        <a:t>(long  </a:t>
-                      </a:r>
-                      <a:r>
-                        <a:rPr lang="en-US" sz="1200" dirty="0" smtClean="0"/>
-                        <a:t>id)</a:t>
+                        <a:t>(long  id)</a:t>
                       </a:r>
                       <a:endParaRPr lang="en-US" sz="1200" dirty="0"/>
                     </a:p>
@@ -11624,13 +11944,208 @@
                       </a:r>
                       <a:r>
                         <a:rPr lang="en-US" sz="1200" baseline="0" dirty="0" smtClean="0"/>
-                        <a:t> based on it’s </a:t>
+                        <a:t> based on it’s id with it’s customer and product details.</a:t>
+                      </a:r>
+                    </a:p>
+                  </a:txBody>
+                  <a:tcPr/>
+                </a:tc>
+              </a:tr>
+              <a:tr h="370840">
+                <a:tc>
+                  <a:txBody>
+                    <a:bodyPr/>
+                    <a:lstStyle/>
+                    <a:p>
+                      <a:pPr marL="0" marR="0" indent="0" algn="l" defTabSz="914400" rtl="0" eaLnBrk="1" fontAlgn="auto" latinLnBrk="0" hangingPunct="1">
+                        <a:lnSpc>
+                          <a:spcPct val="100000"/>
+                        </a:lnSpc>
+                        <a:spcBef>
+                          <a:spcPts val="0"/>
+                        </a:spcBef>
+                        <a:spcAft>
+                          <a:spcPts val="0"/>
+                        </a:spcAft>
+                        <a:buClrTx/>
+                        <a:buSzTx/>
+                        <a:buFontTx/>
+                        <a:buNone/>
+                        <a:tabLst/>
+                        <a:defRPr/>
+                      </a:pPr>
+                      <a:r>
+                        <a:rPr lang="en-US" sz="1200" dirty="0" smtClean="0"/>
+                        <a:t>/</a:t>
+                      </a:r>
+                      <a:r>
+                        <a:rPr lang="en-US" sz="1200" dirty="0" err="1" smtClean="0"/>
+                        <a:t>order_manage</a:t>
+                      </a:r>
+                      <a:r>
+                        <a:rPr lang="en-US" sz="1200" dirty="0" smtClean="0"/>
+                        <a:t>/</a:t>
+                      </a:r>
+                      <a:r>
+                        <a:rPr lang="en-US" sz="1200" dirty="0" err="1" smtClean="0"/>
+                        <a:t>order_events</a:t>
+                      </a:r>
+                      <a:r>
+                        <a:rPr lang="en-US" sz="1200" dirty="0" smtClean="0"/>
+                        <a:t>/publish</a:t>
+                      </a:r>
+                    </a:p>
+                  </a:txBody>
+                  <a:tcPr/>
+                </a:tc>
+                <a:tc>
+                  <a:txBody>
+                    <a:bodyPr/>
+                    <a:lstStyle/>
+                    <a:p>
+                      <a:r>
+                        <a:rPr lang="en-US" sz="1200" dirty="0" smtClean="0"/>
+                        <a:t>POST</a:t>
+                      </a:r>
+                      <a:endParaRPr lang="en-US" sz="1200" dirty="0"/>
+                    </a:p>
+                  </a:txBody>
+                  <a:tcPr/>
+                </a:tc>
+                <a:tc>
+                  <a:txBody>
+                    <a:bodyPr/>
+                    <a:lstStyle/>
+                    <a:p>
+                      <a:r>
+                        <a:rPr lang="en-US" sz="1200" dirty="0" err="1" smtClean="0"/>
+                        <a:t>publishOrderEvent</a:t>
+                      </a:r>
+                      <a:r>
+                        <a:rPr lang="en-US" sz="1200" dirty="0" smtClean="0"/>
+                        <a:t>(Order</a:t>
                       </a:r>
                       <a:r>
                         <a:rPr lang="en-US" sz="1200" baseline="0" dirty="0" smtClean="0"/>
-                        <a:t>id with it’s customer and product details.</a:t>
-                      </a:r>
-                      <a:endParaRPr lang="en-US" sz="1200" dirty="0" smtClean="0"/>
+                        <a:t> </a:t>
+                      </a:r>
+                      <a:r>
+                        <a:rPr lang="en-US" sz="1200" baseline="0" dirty="0" err="1" smtClean="0"/>
+                        <a:t>order</a:t>
+                      </a:r>
+                      <a:r>
+                        <a:rPr lang="en-US" sz="1200" dirty="0" smtClean="0"/>
+                        <a:t>)</a:t>
+                      </a:r>
+                      <a:endParaRPr lang="en-US" sz="1200" dirty="0"/>
+                    </a:p>
+                  </a:txBody>
+                  <a:tcPr/>
+                </a:tc>
+                <a:tc>
+                  <a:txBody>
+                    <a:bodyPr/>
+                    <a:lstStyle/>
+                    <a:p>
+                      <a:r>
+                        <a:rPr lang="en-US" sz="1200" dirty="0" smtClean="0"/>
+                        <a:t>Publish</a:t>
+                      </a:r>
+                      <a:r>
+                        <a:rPr lang="en-US" sz="1200" baseline="0" dirty="0" smtClean="0"/>
+                        <a:t> order event into Kafka broker</a:t>
+                      </a:r>
+                      <a:endParaRPr lang="en-US" sz="1200" dirty="0"/>
+                    </a:p>
+                  </a:txBody>
+                  <a:tcPr/>
+                </a:tc>
+              </a:tr>
+              <a:tr h="370840">
+                <a:tc>
+                  <a:txBody>
+                    <a:bodyPr/>
+                    <a:lstStyle/>
+                    <a:p>
+                      <a:pPr marL="0" marR="0" indent="0" algn="l" defTabSz="914400" rtl="0" eaLnBrk="1" fontAlgn="auto" latinLnBrk="0" hangingPunct="1">
+                        <a:lnSpc>
+                          <a:spcPct val="100000"/>
+                        </a:lnSpc>
+                        <a:spcBef>
+                          <a:spcPts val="0"/>
+                        </a:spcBef>
+                        <a:spcAft>
+                          <a:spcPts val="0"/>
+                        </a:spcAft>
+                        <a:buClrTx/>
+                        <a:buSzTx/>
+                        <a:buFontTx/>
+                        <a:buNone/>
+                        <a:tabLst/>
+                        <a:defRPr/>
+                      </a:pPr>
+                      <a:r>
+                        <a:rPr lang="en-US" sz="1200" dirty="0" smtClean="0"/>
+                        <a:t>consumer</a:t>
+                      </a:r>
+                    </a:p>
+                  </a:txBody>
+                  <a:tcPr/>
+                </a:tc>
+                <a:tc>
+                  <a:txBody>
+                    <a:bodyPr/>
+                    <a:lstStyle/>
+                    <a:p>
+                      <a:r>
+                        <a:rPr lang="en-US" sz="1200" dirty="0" smtClean="0"/>
+                        <a:t>/</a:t>
+                      </a:r>
+                      <a:endParaRPr lang="en-US" sz="1200" dirty="0"/>
+                    </a:p>
+                  </a:txBody>
+                  <a:tcPr/>
+                </a:tc>
+                <a:tc>
+                  <a:txBody>
+                    <a:bodyPr/>
+                    <a:lstStyle/>
+                    <a:p>
+                      <a:r>
+                        <a:rPr lang="en-US" sz="1200" dirty="0" smtClean="0"/>
+                        <a:t>consume(</a:t>
+                      </a:r>
+                      <a:r>
+                        <a:rPr lang="en-US" sz="1200" dirty="0" err="1" smtClean="0"/>
+                        <a:t>OrderEvent</a:t>
+                      </a:r>
+                      <a:r>
+                        <a:rPr lang="en-US" sz="1200" dirty="0" smtClean="0"/>
+                        <a:t>  </a:t>
+                      </a:r>
+                      <a:r>
+                        <a:rPr lang="en-US" sz="1200" dirty="0" err="1" smtClean="0"/>
+                        <a:t>orderEvent</a:t>
+                      </a:r>
+                      <a:r>
+                        <a:rPr lang="en-US" sz="1200" dirty="0" smtClean="0"/>
+                        <a:t>)</a:t>
+                      </a:r>
+                      <a:endParaRPr lang="en-US" sz="1200" dirty="0"/>
+                    </a:p>
+                  </a:txBody>
+                  <a:tcPr/>
+                </a:tc>
+                <a:tc>
+                  <a:txBody>
+                    <a:bodyPr/>
+                    <a:lstStyle/>
+                    <a:p>
+                      <a:r>
+                        <a:rPr lang="en-US" sz="1200" dirty="0" smtClean="0"/>
+                        <a:t>Consume order event topic messages from Kafka broker</a:t>
+                      </a:r>
+                      <a:endParaRPr lang="en-US" sz="1200" dirty="0"/>
                     </a:p>
                   </a:txBody>
                   <a:tcPr/>
